--- a/Interatomic_potentials.pptx
+++ b/Interatomic_potentials.pptx
@@ -275,7 +275,7 @@
           <a:p>
             <a:fld id="{DA4EBA2D-1739-7941-B830-5693327D5C53}" type="datetimeFigureOut">
               <a:rPr lang="en-MX" smtClean="0"/>
-              <a:t>16/04/24</a:t>
+              <a:t>04/17/2024</a:t>
             </a:fld>
             <a:endParaRPr lang="en-MX"/>
           </a:p>
@@ -475,7 +475,7 @@
           <a:p>
             <a:fld id="{DA4EBA2D-1739-7941-B830-5693327D5C53}" type="datetimeFigureOut">
               <a:rPr lang="en-MX" smtClean="0"/>
-              <a:t>16/04/24</a:t>
+              <a:t>04/17/2024</a:t>
             </a:fld>
             <a:endParaRPr lang="en-MX"/>
           </a:p>
@@ -685,7 +685,7 @@
           <a:p>
             <a:fld id="{DA4EBA2D-1739-7941-B830-5693327D5C53}" type="datetimeFigureOut">
               <a:rPr lang="en-MX" smtClean="0"/>
-              <a:t>16/04/24</a:t>
+              <a:t>04/17/2024</a:t>
             </a:fld>
             <a:endParaRPr lang="en-MX"/>
           </a:p>
@@ -885,7 +885,7 @@
           <a:p>
             <a:fld id="{DA4EBA2D-1739-7941-B830-5693327D5C53}" type="datetimeFigureOut">
               <a:rPr lang="en-MX" smtClean="0"/>
-              <a:t>16/04/24</a:t>
+              <a:t>04/17/2024</a:t>
             </a:fld>
             <a:endParaRPr lang="en-MX"/>
           </a:p>
@@ -1161,7 +1161,7 @@
           <a:p>
             <a:fld id="{DA4EBA2D-1739-7941-B830-5693327D5C53}" type="datetimeFigureOut">
               <a:rPr lang="en-MX" smtClean="0"/>
-              <a:t>16/04/24</a:t>
+              <a:t>04/17/2024</a:t>
             </a:fld>
             <a:endParaRPr lang="en-MX"/>
           </a:p>
@@ -1429,7 +1429,7 @@
           <a:p>
             <a:fld id="{DA4EBA2D-1739-7941-B830-5693327D5C53}" type="datetimeFigureOut">
               <a:rPr lang="en-MX" smtClean="0"/>
-              <a:t>16/04/24</a:t>
+              <a:t>04/17/2024</a:t>
             </a:fld>
             <a:endParaRPr lang="en-MX"/>
           </a:p>
@@ -1844,7 +1844,7 @@
           <a:p>
             <a:fld id="{DA4EBA2D-1739-7941-B830-5693327D5C53}" type="datetimeFigureOut">
               <a:rPr lang="en-MX" smtClean="0"/>
-              <a:t>16/04/24</a:t>
+              <a:t>04/17/2024</a:t>
             </a:fld>
             <a:endParaRPr lang="en-MX"/>
           </a:p>
@@ -1986,7 +1986,7 @@
           <a:p>
             <a:fld id="{DA4EBA2D-1739-7941-B830-5693327D5C53}" type="datetimeFigureOut">
               <a:rPr lang="en-MX" smtClean="0"/>
-              <a:t>16/04/24</a:t>
+              <a:t>04/17/2024</a:t>
             </a:fld>
             <a:endParaRPr lang="en-MX"/>
           </a:p>
@@ -2099,7 +2099,7 @@
           <a:p>
             <a:fld id="{DA4EBA2D-1739-7941-B830-5693327D5C53}" type="datetimeFigureOut">
               <a:rPr lang="en-MX" smtClean="0"/>
-              <a:t>16/04/24</a:t>
+              <a:t>04/17/2024</a:t>
             </a:fld>
             <a:endParaRPr lang="en-MX"/>
           </a:p>
@@ -2412,7 +2412,7 @@
           <a:p>
             <a:fld id="{DA4EBA2D-1739-7941-B830-5693327D5C53}" type="datetimeFigureOut">
               <a:rPr lang="en-MX" smtClean="0"/>
-              <a:t>16/04/24</a:t>
+              <a:t>04/17/2024</a:t>
             </a:fld>
             <a:endParaRPr lang="en-MX"/>
           </a:p>
@@ -2701,7 +2701,7 @@
           <a:p>
             <a:fld id="{DA4EBA2D-1739-7941-B830-5693327D5C53}" type="datetimeFigureOut">
               <a:rPr lang="en-MX" smtClean="0"/>
-              <a:t>16/04/24</a:t>
+              <a:t>04/17/2024</a:t>
             </a:fld>
             <a:endParaRPr lang="en-MX"/>
           </a:p>
@@ -2944,7 +2944,7 @@
           <a:p>
             <a:fld id="{DA4EBA2D-1739-7941-B830-5693327D5C53}" type="datetimeFigureOut">
               <a:rPr lang="en-MX" smtClean="0"/>
-              <a:t>16/04/24</a:t>
+              <a:t>04/17/2024</a:t>
             </a:fld>
             <a:endParaRPr lang="en-MX"/>
           </a:p>
@@ -4113,7 +4113,7 @@
           <a:p>
             <a:r>
               <a:rPr lang="en-MX" dirty="0"/>
-              <a:t>Polarizable interatomic models:</a:t>
+              <a:t>Polarizable interatomic models :</a:t>
             </a:r>
           </a:p>
           <a:p>
@@ -4307,8 +4307,8 @@
           </a:p>
         </p:txBody>
       </p:sp>
-      <mc:AlternateContent xmlns:mc="http://schemas.openxmlformats.org/markup-compatibility/2006">
-        <mc:Choice xmlns:a14="http://schemas.microsoft.com/office/drawing/2010/main" Requires="a14">
+      <mc:AlternateContent xmlns:mc="http://schemas.openxmlformats.org/markup-compatibility/2006" xmlns:a14="http://schemas.microsoft.com/office/drawing/2010/main">
+        <mc:Choice Requires="a14">
           <p:sp>
             <p:nvSpPr>
               <p:cNvPr id="3" name="Content Placeholder 2">
@@ -4904,7 +4904,7 @@
             </p:txBody>
           </p:sp>
         </mc:Choice>
-        <mc:Fallback>
+        <mc:Fallback xmlns="">
           <p:sp>
             <p:nvSpPr>
               <p:cNvPr id="3" name="Content Placeholder 2">
@@ -5002,8 +5002,8 @@
           </a:p>
         </p:txBody>
       </p:sp>
-      <mc:AlternateContent xmlns:mc="http://schemas.openxmlformats.org/markup-compatibility/2006">
-        <mc:Choice xmlns:a14="http://schemas.microsoft.com/office/drawing/2010/main" Requires="a14">
+      <mc:AlternateContent xmlns:mc="http://schemas.openxmlformats.org/markup-compatibility/2006" xmlns:a14="http://schemas.microsoft.com/office/drawing/2010/main">
+        <mc:Choice Requires="a14">
           <p:sp>
             <p:nvSpPr>
               <p:cNvPr id="3" name="Content Placeholder 2">
@@ -5399,7 +5399,7 @@
             </p:txBody>
           </p:sp>
         </mc:Choice>
-        <mc:Fallback>
+        <mc:Fallback xmlns="">
           <p:sp>
             <p:nvSpPr>
               <p:cNvPr id="3" name="Content Placeholder 2">
@@ -5497,8 +5497,8 @@
           </a:p>
         </p:txBody>
       </p:sp>
-      <mc:AlternateContent xmlns:mc="http://schemas.openxmlformats.org/markup-compatibility/2006">
-        <mc:Choice xmlns:a14="http://schemas.microsoft.com/office/drawing/2010/main" Requires="a14">
+      <mc:AlternateContent xmlns:mc="http://schemas.openxmlformats.org/markup-compatibility/2006" xmlns:a14="http://schemas.microsoft.com/office/drawing/2010/main">
+        <mc:Choice Requires="a14">
           <p:sp>
             <p:nvSpPr>
               <p:cNvPr id="3" name="Content Placeholder 2">
@@ -6104,7 +6104,7 @@
             </p:txBody>
           </p:sp>
         </mc:Choice>
-        <mc:Fallback>
+        <mc:Fallback xmlns="">
           <p:sp>
             <p:nvSpPr>
               <p:cNvPr id="3" name="Content Placeholder 2">
@@ -6361,8 +6361,8 @@
           </a:p>
         </p:txBody>
       </p:sp>
-      <mc:AlternateContent xmlns:mc="http://schemas.openxmlformats.org/markup-compatibility/2006">
-        <mc:Choice xmlns:a14="http://schemas.microsoft.com/office/drawing/2010/main" Requires="a14">
+      <mc:AlternateContent xmlns:mc="http://schemas.openxmlformats.org/markup-compatibility/2006" xmlns:a14="http://schemas.microsoft.com/office/drawing/2010/main">
+        <mc:Choice Requires="a14">
           <p:sp>
             <p:nvSpPr>
               <p:cNvPr id="3" name="Content Placeholder 2">
@@ -7467,7 +7467,7 @@
             </p:txBody>
           </p:sp>
         </mc:Choice>
-        <mc:Fallback>
+        <mc:Fallback xmlns="">
           <p:sp>
             <p:nvSpPr>
               <p:cNvPr id="3" name="Content Placeholder 2">
